--- a/선행 자료/3 - C++ 클래스.pptx
+++ b/선행 자료/3 - C++ 클래스.pptx
@@ -1,6 +1,6 @@
 
 <file path=ppt/presentation.xml><?xml version="1.0" encoding="utf-8"?>
-<p:presentation xmlns:a="http://schemas.openxmlformats.org/drawingml/2006/main" xmlns:r="http://schemas.openxmlformats.org/officeDocument/2006/relationships" xmlns:p="http://schemas.openxmlformats.org/presentationml/2006/main" saveSubsetFonts="1">
+<p:presentation xmlns:a="http://schemas.openxmlformats.org/drawingml/2006/main" xmlns:r="http://schemas.openxmlformats.org/officeDocument/2006/relationships" xmlns:p="http://schemas.openxmlformats.org/presentationml/2006/main" embedTrueTypeFonts="1" saveSubsetFonts="1">
   <p:sldMasterIdLst>
     <p:sldMasterId id="2147483648" r:id="rId1"/>
   </p:sldMasterIdLst>
@@ -34,6 +34,24 @@
   </p:sldIdLst>
   <p:sldSz cx="12192000" cy="6858000"/>
   <p:notesSz cx="6858000" cy="9144000"/>
+  <p:embeddedFontLst>
+    <p:embeddedFont>
+      <p:font typeface="나눔고딕 Light" panose="020D0904000000000000" pitchFamily="50" charset="-127"/>
+      <p:regular r:id="rId28"/>
+    </p:embeddedFont>
+    <p:embeddedFont>
+      <p:font typeface="맑은 고딕" panose="020B0503020000020004" pitchFamily="50" charset="-127"/>
+      <p:regular r:id="rId29"/>
+      <p:bold r:id="rId30"/>
+    </p:embeddedFont>
+    <p:embeddedFont>
+      <p:font typeface="Consolas" panose="020B0609020204030204" pitchFamily="49" charset="0"/>
+      <p:regular r:id="rId31"/>
+      <p:bold r:id="rId32"/>
+      <p:italic r:id="rId33"/>
+      <p:boldItalic r:id="rId34"/>
+    </p:embeddedFont>
+  </p:embeddedFontLst>
   <p:defaultTextStyle>
     <a:defPPr>
       <a:defRPr lang="ko-KR"/>
@@ -284,7 +302,7 @@
           <a:p>
             <a:fld id="{3BAD717E-5B48-41D6-98B3-DB23E84BF0BC}" type="datetimeFigureOut">
               <a:rPr lang="ko-KR" altLang="en-US" smtClean="0"/>
-              <a:t>2021-07-30</a:t>
+              <a:t>2021-08-02</a:t>
             </a:fld>
             <a:endParaRPr lang="ko-KR" altLang="en-US"/>
           </a:p>
@@ -482,7 +500,7 @@
           <a:p>
             <a:fld id="{3BAD717E-5B48-41D6-98B3-DB23E84BF0BC}" type="datetimeFigureOut">
               <a:rPr lang="ko-KR" altLang="en-US" smtClean="0"/>
-              <a:t>2021-07-30</a:t>
+              <a:t>2021-08-02</a:t>
             </a:fld>
             <a:endParaRPr lang="ko-KR" altLang="en-US"/>
           </a:p>
@@ -690,7 +708,7 @@
           <a:p>
             <a:fld id="{3BAD717E-5B48-41D6-98B3-DB23E84BF0BC}" type="datetimeFigureOut">
               <a:rPr lang="ko-KR" altLang="en-US" smtClean="0"/>
-              <a:t>2021-07-30</a:t>
+              <a:t>2021-08-02</a:t>
             </a:fld>
             <a:endParaRPr lang="ko-KR" altLang="en-US"/>
           </a:p>
@@ -888,7 +906,7 @@
           <a:p>
             <a:fld id="{3BAD717E-5B48-41D6-98B3-DB23E84BF0BC}" type="datetimeFigureOut">
               <a:rPr lang="ko-KR" altLang="en-US" smtClean="0"/>
-              <a:t>2021-07-30</a:t>
+              <a:t>2021-08-02</a:t>
             </a:fld>
             <a:endParaRPr lang="ko-KR" altLang="en-US"/>
           </a:p>
@@ -1163,7 +1181,7 @@
           <a:p>
             <a:fld id="{3BAD717E-5B48-41D6-98B3-DB23E84BF0BC}" type="datetimeFigureOut">
               <a:rPr lang="ko-KR" altLang="en-US" smtClean="0"/>
-              <a:t>2021-07-30</a:t>
+              <a:t>2021-08-02</a:t>
             </a:fld>
             <a:endParaRPr lang="ko-KR" altLang="en-US"/>
           </a:p>
@@ -1428,7 +1446,7 @@
           <a:p>
             <a:fld id="{3BAD717E-5B48-41D6-98B3-DB23E84BF0BC}" type="datetimeFigureOut">
               <a:rPr lang="ko-KR" altLang="en-US" smtClean="0"/>
-              <a:t>2021-07-30</a:t>
+              <a:t>2021-08-02</a:t>
             </a:fld>
             <a:endParaRPr lang="ko-KR" altLang="en-US"/>
           </a:p>
@@ -1840,7 +1858,7 @@
           <a:p>
             <a:fld id="{3BAD717E-5B48-41D6-98B3-DB23E84BF0BC}" type="datetimeFigureOut">
               <a:rPr lang="ko-KR" altLang="en-US" smtClean="0"/>
-              <a:t>2021-07-30</a:t>
+              <a:t>2021-08-02</a:t>
             </a:fld>
             <a:endParaRPr lang="ko-KR" altLang="en-US"/>
           </a:p>
@@ -1981,7 +1999,7 @@
           <a:p>
             <a:fld id="{3BAD717E-5B48-41D6-98B3-DB23E84BF0BC}" type="datetimeFigureOut">
               <a:rPr lang="ko-KR" altLang="en-US" smtClean="0"/>
-              <a:t>2021-07-30</a:t>
+              <a:t>2021-08-02</a:t>
             </a:fld>
             <a:endParaRPr lang="ko-KR" altLang="en-US"/>
           </a:p>
@@ -2094,7 +2112,7 @@
           <a:p>
             <a:fld id="{3BAD717E-5B48-41D6-98B3-DB23E84BF0BC}" type="datetimeFigureOut">
               <a:rPr lang="ko-KR" altLang="en-US" smtClean="0"/>
-              <a:t>2021-07-30</a:t>
+              <a:t>2021-08-02</a:t>
             </a:fld>
             <a:endParaRPr lang="ko-KR" altLang="en-US"/>
           </a:p>
@@ -2405,7 +2423,7 @@
           <a:p>
             <a:fld id="{3BAD717E-5B48-41D6-98B3-DB23E84BF0BC}" type="datetimeFigureOut">
               <a:rPr lang="ko-KR" altLang="en-US" smtClean="0"/>
-              <a:t>2021-07-30</a:t>
+              <a:t>2021-08-02</a:t>
             </a:fld>
             <a:endParaRPr lang="ko-KR" altLang="en-US"/>
           </a:p>
@@ -2693,7 +2711,7 @@
           <a:p>
             <a:fld id="{3BAD717E-5B48-41D6-98B3-DB23E84BF0BC}" type="datetimeFigureOut">
               <a:rPr lang="ko-KR" altLang="en-US" smtClean="0"/>
-              <a:t>2021-07-30</a:t>
+              <a:t>2021-08-02</a:t>
             </a:fld>
             <a:endParaRPr lang="ko-KR" altLang="en-US"/>
           </a:p>
@@ -2934,7 +2952,7 @@
           <a:p>
             <a:fld id="{3BAD717E-5B48-41D6-98B3-DB23E84BF0BC}" type="datetimeFigureOut">
               <a:rPr lang="ko-KR" altLang="en-US" smtClean="0"/>
-              <a:t>2021-07-30</a:t>
+              <a:t>2021-08-02</a:t>
             </a:fld>
             <a:endParaRPr lang="ko-KR" altLang="en-US"/>
           </a:p>
